--- a/document/20181124MBL_introduction.pptx
+++ b/document/20181124MBL_introduction.pptx
@@ -8605,7 +8605,7 @@
                 <a:latin typeface="HG丸ｺﾞｼｯｸM-PRO" panose="020F0600000000000000" pitchFamily="50" charset="-128"/>
                 <a:ea typeface="HG丸ｺﾞｼｯｸM-PRO" panose="020F0600000000000000" pitchFamily="50" charset="-128"/>
               </a:rPr>
-              <a:t>"] = 500</a:t>
+              <a:t>"] = 540</a:t>
             </a:r>
           </a:p>
           <a:p>
@@ -8832,7 +8832,7 @@
                 <a:latin typeface="HG丸ｺﾞｼｯｸM-PRO" panose="020F0600000000000000" pitchFamily="50" charset="-128"/>
                 <a:ea typeface="HG丸ｺﾞｼｯｸM-PRO" panose="020F0600000000000000" pitchFamily="50" charset="-128"/>
               </a:rPr>
-              <a:t>500</a:t>
+              <a:t>540</a:t>
             </a:r>
             <a:r>
               <a:rPr lang="ja-JP" altLang="en-US" dirty="0">
